--- a/モデリング/UI(UnitySide)/プレゼンテーション1.pptx
+++ b/モデリング/UI(UnitySide)/プレゼンテーション1.pptx
@@ -297,7 +297,7 @@
           <a:p>
             <a:fld id="{F5EB4E7A-B134-42AF-A4C9-D2E819A71198}" type="datetimeFigureOut">
               <a:rPr kumimoji="1" lang="ja-JP" altLang="en-US" smtClean="0"/>
-              <a:t>2024/8/5</a:t>
+              <a:t>2024/8/31</a:t>
             </a:fld>
             <a:endParaRPr kumimoji="1" lang="ja-JP" altLang="en-US"/>
           </a:p>
@@ -499,7 +499,7 @@
           <a:p>
             <a:fld id="{F5EB4E7A-B134-42AF-A4C9-D2E819A71198}" type="datetimeFigureOut">
               <a:rPr kumimoji="1" lang="ja-JP" altLang="en-US" smtClean="0"/>
-              <a:t>2024/8/5</a:t>
+              <a:t>2024/8/31</a:t>
             </a:fld>
             <a:endParaRPr kumimoji="1" lang="ja-JP" altLang="en-US"/>
           </a:p>
@@ -711,7 +711,7 @@
           <a:p>
             <a:fld id="{F5EB4E7A-B134-42AF-A4C9-D2E819A71198}" type="datetimeFigureOut">
               <a:rPr kumimoji="1" lang="ja-JP" altLang="en-US" smtClean="0"/>
-              <a:t>2024/8/5</a:t>
+              <a:t>2024/8/31</a:t>
             </a:fld>
             <a:endParaRPr kumimoji="1" lang="ja-JP" altLang="en-US"/>
           </a:p>
@@ -913,7 +913,7 @@
           <a:p>
             <a:fld id="{F5EB4E7A-B134-42AF-A4C9-D2E819A71198}" type="datetimeFigureOut">
               <a:rPr kumimoji="1" lang="ja-JP" altLang="en-US" smtClean="0"/>
-              <a:t>2024/8/5</a:t>
+              <a:t>2024/8/31</a:t>
             </a:fld>
             <a:endParaRPr kumimoji="1" lang="ja-JP" altLang="en-US"/>
           </a:p>
@@ -1159,7 +1159,7 @@
           <a:p>
             <a:fld id="{F5EB4E7A-B134-42AF-A4C9-D2E819A71198}" type="datetimeFigureOut">
               <a:rPr kumimoji="1" lang="ja-JP" altLang="en-US" smtClean="0"/>
-              <a:t>2024/8/5</a:t>
+              <a:t>2024/8/31</a:t>
             </a:fld>
             <a:endParaRPr kumimoji="1" lang="ja-JP" altLang="en-US"/>
           </a:p>
@@ -1455,7 +1455,7 @@
           <a:p>
             <a:fld id="{F5EB4E7A-B134-42AF-A4C9-D2E819A71198}" type="datetimeFigureOut">
               <a:rPr kumimoji="1" lang="ja-JP" altLang="en-US" smtClean="0"/>
-              <a:t>2024/8/5</a:t>
+              <a:t>2024/8/31</a:t>
             </a:fld>
             <a:endParaRPr kumimoji="1" lang="ja-JP" altLang="en-US"/>
           </a:p>
@@ -1886,7 +1886,7 @@
           <a:p>
             <a:fld id="{F5EB4E7A-B134-42AF-A4C9-D2E819A71198}" type="datetimeFigureOut">
               <a:rPr kumimoji="1" lang="ja-JP" altLang="en-US" smtClean="0"/>
-              <a:t>2024/8/5</a:t>
+              <a:t>2024/8/31</a:t>
             </a:fld>
             <a:endParaRPr kumimoji="1" lang="ja-JP" altLang="en-US"/>
           </a:p>
@@ -2004,7 +2004,7 @@
           <a:p>
             <a:fld id="{F5EB4E7A-B134-42AF-A4C9-D2E819A71198}" type="datetimeFigureOut">
               <a:rPr kumimoji="1" lang="ja-JP" altLang="en-US" smtClean="0"/>
-              <a:t>2024/8/5</a:t>
+              <a:t>2024/8/31</a:t>
             </a:fld>
             <a:endParaRPr kumimoji="1" lang="ja-JP" altLang="en-US"/>
           </a:p>
@@ -2099,7 +2099,7 @@
           <a:p>
             <a:fld id="{F5EB4E7A-B134-42AF-A4C9-D2E819A71198}" type="datetimeFigureOut">
               <a:rPr kumimoji="1" lang="ja-JP" altLang="en-US" smtClean="0"/>
-              <a:t>2024/8/5</a:t>
+              <a:t>2024/8/31</a:t>
             </a:fld>
             <a:endParaRPr kumimoji="1" lang="ja-JP" altLang="en-US"/>
           </a:p>
@@ -2408,7 +2408,7 @@
           <a:p>
             <a:fld id="{F5EB4E7A-B134-42AF-A4C9-D2E819A71198}" type="datetimeFigureOut">
               <a:rPr kumimoji="1" lang="ja-JP" altLang="en-US" smtClean="0"/>
-              <a:t>2024/8/5</a:t>
+              <a:t>2024/8/31</a:t>
             </a:fld>
             <a:endParaRPr kumimoji="1" lang="ja-JP" altLang="en-US"/>
           </a:p>
@@ -2665,7 +2665,7 @@
           <a:p>
             <a:fld id="{F5EB4E7A-B134-42AF-A4C9-D2E819A71198}" type="datetimeFigureOut">
               <a:rPr kumimoji="1" lang="ja-JP" altLang="en-US" smtClean="0"/>
-              <a:t>2024/8/5</a:t>
+              <a:t>2024/8/31</a:t>
             </a:fld>
             <a:endParaRPr kumimoji="1" lang="ja-JP" altLang="en-US"/>
           </a:p>
@@ -2910,7 +2910,7 @@
           <a:p>
             <a:fld id="{F5EB4E7A-B134-42AF-A4C9-D2E819A71198}" type="datetimeFigureOut">
               <a:rPr kumimoji="1" lang="ja-JP" altLang="en-US" smtClean="0"/>
-              <a:t>2024/8/5</a:t>
+              <a:t>2024/8/31</a:t>
             </a:fld>
             <a:endParaRPr kumimoji="1" lang="ja-JP" altLang="en-US"/>
           </a:p>
@@ -53289,8 +53289,8 @@
         </p:nvSpPr>
         <p:spPr>
           <a:xfrm>
-            <a:off x="13399512" y="12981326"/>
-            <a:ext cx="11223975" cy="1631216"/>
+            <a:off x="13399513" y="12981326"/>
+            <a:ext cx="6738072" cy="1631216"/>
           </a:xfrm>
           <a:prstGeom prst="rect">
             <a:avLst/>
@@ -53311,27 +53311,7 @@
                 <a:latin typeface="マキナス 4 Square" panose="02000600000000000000" pitchFamily="50" charset="-128"/>
                 <a:ea typeface="マキナス 4 Square" panose="02000600000000000000" pitchFamily="50" charset="-128"/>
               </a:rPr>
-              <a:t>写真</a:t>
-            </a:r>
-            <a:r>
-              <a:rPr kumimoji="1" lang="en-US" altLang="ja-JP" sz="10000" i="1" dirty="0">
-                <a:solidFill>
-                  <a:schemeClr val="bg1"/>
-                </a:solidFill>
-                <a:latin typeface="マキナス 4 Square" panose="02000600000000000000" pitchFamily="50" charset="-128"/>
-                <a:ea typeface="マキナス 4 Square" panose="02000600000000000000" pitchFamily="50" charset="-128"/>
-              </a:rPr>
-              <a:t>/</a:t>
-            </a:r>
-            <a:r>
-              <a:rPr kumimoji="1" lang="ja-JP" altLang="en-US" sz="10000" i="1" dirty="0">
-                <a:solidFill>
-                  <a:schemeClr val="bg1"/>
-                </a:solidFill>
-                <a:latin typeface="マキナス 4 Square" panose="02000600000000000000" pitchFamily="50" charset="-128"/>
-                <a:ea typeface="マキナス 4 Square" panose="02000600000000000000" pitchFamily="50" charset="-128"/>
-              </a:rPr>
-              <a:t>動画フロア</a:t>
+              <a:t>写真フロア</a:t>
             </a:r>
             <a:endParaRPr kumimoji="1" lang="en-US" altLang="ja-JP" sz="10000" i="1" dirty="0">
               <a:solidFill>
@@ -53357,8 +53337,8 @@
         </p:nvSpPr>
         <p:spPr>
           <a:xfrm>
-            <a:off x="13377741" y="12913222"/>
-            <a:ext cx="11223975" cy="1631216"/>
+            <a:off x="13355970" y="12903602"/>
+            <a:ext cx="6738071" cy="1631216"/>
           </a:xfrm>
           <a:prstGeom prst="rect">
             <a:avLst/>
@@ -53381,21 +53361,7 @@
                 <a:latin typeface="マキナス 4 Square" panose="02000600000000000000" pitchFamily="50" charset="-128"/>
                 <a:ea typeface="マキナス 4 Square" panose="02000600000000000000" pitchFamily="50" charset="-128"/>
               </a:rPr>
-              <a:t>写真</a:t>
-            </a:r>
-            <a:r>
-              <a:rPr kumimoji="1" lang="en-US" altLang="ja-JP" sz="10000" i="1" dirty="0">
-                <a:latin typeface="マキナス 4 Square" panose="02000600000000000000" pitchFamily="50" charset="-128"/>
-                <a:ea typeface="マキナス 4 Square" panose="02000600000000000000" pitchFamily="50" charset="-128"/>
-              </a:rPr>
-              <a:t>/</a:t>
-            </a:r>
-            <a:r>
-              <a:rPr kumimoji="1" lang="ja-JP" altLang="en-US" sz="10000" i="1" dirty="0">
-                <a:latin typeface="マキナス 4 Square" panose="02000600000000000000" pitchFamily="50" charset="-128"/>
-                <a:ea typeface="マキナス 4 Square" panose="02000600000000000000" pitchFamily="50" charset="-128"/>
-              </a:rPr>
-              <a:t>動画フロア</a:t>
+              <a:t>写真フロア</a:t>
             </a:r>
             <a:endParaRPr kumimoji="1" lang="en-US" altLang="ja-JP" sz="10000" i="1" dirty="0">
               <a:latin typeface="マキナス 4 Square" panose="02000600000000000000" pitchFamily="50" charset="-128"/>
@@ -53456,7 +53422,7 @@
         </p:nvSpPr>
         <p:spPr>
           <a:xfrm>
-            <a:off x="0" y="1313755"/>
+            <a:off x="3387437" y="2352846"/>
             <a:ext cx="11887202" cy="3046988"/>
           </a:xfrm>
           <a:prstGeom prst="rect">
@@ -53493,7 +53459,7 @@
                 <a:latin typeface="マキナス 4 Square" panose="02000600000000000000" pitchFamily="50" charset="-128"/>
                 <a:ea typeface="マキナス 4 Square" panose="02000600000000000000" pitchFamily="50" charset="-128"/>
               </a:rPr>
-              <a:t>→</a:t>
+              <a:t>←→</a:t>
             </a:r>
             <a:r>
               <a:rPr kumimoji="1" lang="en-US" altLang="ja-JP" sz="9600" dirty="0">
@@ -53543,7 +53509,7 @@
                 <a:latin typeface="マキナス 4 Square" panose="02000600000000000000" pitchFamily="50" charset="-128"/>
                 <a:ea typeface="マキナス 4 Square" panose="02000600000000000000" pitchFamily="50" charset="-128"/>
               </a:rPr>
-              <a:t>トラックを進める</a:t>
+              <a:t>トラック移動</a:t>
             </a:r>
             <a:endParaRPr kumimoji="1" lang="en-US" altLang="ja-JP" sz="9600" dirty="0">
               <a:ln w="9525">
@@ -53570,7 +53536,7 @@
           </a:p>
           <a:p>
             <a:r>
-              <a:rPr lang="ja-JP" altLang="en-US" sz="9600" dirty="0">
+              <a:rPr kumimoji="1" lang="en-US" altLang="ja-JP" sz="9600" dirty="0">
                 <a:ln w="9525">
                   <a:solidFill>
                     <a:schemeClr val="accent1">
@@ -53592,10 +53558,10 @@
                 <a:latin typeface="マキナス 4 Square" panose="02000600000000000000" pitchFamily="50" charset="-128"/>
                 <a:ea typeface="マキナス 4 Square" panose="02000600000000000000" pitchFamily="50" charset="-128"/>
               </a:rPr>
-              <a:t>←</a:t>
-            </a:r>
-            <a:r>
-              <a:rPr lang="en-US" altLang="ja-JP" sz="9600" dirty="0">
+              <a:t>esc:</a:t>
+            </a:r>
+            <a:r>
+              <a:rPr kumimoji="1" lang="ja-JP" altLang="en-US" sz="9600" dirty="0">
                 <a:ln w="9525">
                   <a:solidFill>
                     <a:schemeClr val="accent1">
@@ -53617,55 +53583,8 @@
                 <a:latin typeface="マキナス 4 Square" panose="02000600000000000000" pitchFamily="50" charset="-128"/>
                 <a:ea typeface="マキナス 4 Square" panose="02000600000000000000" pitchFamily="50" charset="-128"/>
               </a:rPr>
-              <a:t>:</a:t>
-            </a:r>
-            <a:r>
-              <a:rPr lang="ja-JP" altLang="en-US" sz="9600" dirty="0">
-                <a:ln w="9525">
-                  <a:solidFill>
-                    <a:schemeClr val="accent1">
-                      <a:lumMod val="60000"/>
-                      <a:lumOff val="40000"/>
-                    </a:schemeClr>
-                  </a:solidFill>
-                </a:ln>
-                <a:solidFill>
-                  <a:schemeClr val="bg1"/>
-                </a:solidFill>
-                <a:effectLst>
-                  <a:glow rad="63500">
-                    <a:schemeClr val="accent1">
-                      <a:alpha val="50000"/>
-                    </a:schemeClr>
-                  </a:glow>
-                </a:effectLst>
-                <a:latin typeface="マキナス 4 Square" panose="02000600000000000000" pitchFamily="50" charset="-128"/>
-                <a:ea typeface="マキナス 4 Square" panose="02000600000000000000" pitchFamily="50" charset="-128"/>
-              </a:rPr>
-              <a:t>トラックをもどす</a:t>
-            </a:r>
-            <a:endParaRPr kumimoji="1" lang="ja-JP" altLang="en-US" sz="9600" dirty="0">
-              <a:ln w="9525">
-                <a:solidFill>
-                  <a:schemeClr val="accent1">
-                    <a:lumMod val="60000"/>
-                    <a:lumOff val="40000"/>
-                  </a:schemeClr>
-                </a:solidFill>
-              </a:ln>
-              <a:solidFill>
-                <a:schemeClr val="bg1"/>
-              </a:solidFill>
-              <a:effectLst>
-                <a:glow rad="63500">
-                  <a:schemeClr val="accent1">
-                    <a:alpha val="50000"/>
-                  </a:schemeClr>
-                </a:glow>
-              </a:effectLst>
-              <a:latin typeface="マキナス 4 Square" panose="02000600000000000000" pitchFamily="50" charset="-128"/>
-              <a:ea typeface="マキナス 4 Square" panose="02000600000000000000" pitchFamily="50" charset="-128"/>
-            </a:endParaRPr>
+              <a:t>戻る</a:t>
+            </a:r>
           </a:p>
         </p:txBody>
       </p:sp>
